--- a/NNet/Docu/Commands.pptx
+++ b/NNet/Docu/Commands.pptx
@@ -3328,10 +3328,10 @@
       </p:grpSpPr>
       <p:sp>
         <p:nvSpPr>
-          <p:cNvPr id="2" name="Rechteck: abgerundete Ecken 1">
-            <a:extLst>
-              <a:ext uri="{FF2B5EF4-FFF2-40B4-BE49-F238E27FC236}">
-                <a16:creationId xmlns:a16="http://schemas.microsoft.com/office/drawing/2014/main" id="{25FBE9FB-0614-1164-A642-398DB82449F3}"/>
+          <p:cNvPr id="16" name="Rechteck: abgerundete Ecken 15">
+            <a:extLst>
+              <a:ext uri="{FF2B5EF4-FFF2-40B4-BE49-F238E27FC236}">
+                <a16:creationId xmlns:a16="http://schemas.microsoft.com/office/drawing/2014/main" id="{CDC05A79-0B0C-92AF-D29D-3F206930ED1D}"/>
               </a:ext>
             </a:extLst>
           </p:cNvPr>
@@ -3340,8 +3340,8 @@
         </p:nvSpPr>
         <p:spPr>
           <a:xfrm>
-            <a:off x="2177796" y="2612517"/>
-            <a:ext cx="6600444" cy="692277"/>
+            <a:off x="1851660" y="300229"/>
+            <a:ext cx="7882128" cy="958406"/>
           </a:xfrm>
           <a:prstGeom prst="roundRect">
             <a:avLst/>
@@ -3370,11 +3370,89 @@
           </a:fontRef>
         </p:style>
         <p:txBody>
-          <a:bodyPr rtlCol="0" anchor="ctr"/>
-          <a:lstStyle/>
-          <a:p>
-            <a:pPr algn="ctr"/>
-            <a:endParaRPr lang="de-DE"/>
+          <a:bodyPr rtlCol="0" anchor="t"/>
+          <a:lstStyle/>
+          <a:p>
+            <a:r>
+              <a:rPr lang="de-DE" dirty="0" err="1">
+                <a:solidFill>
+                  <a:schemeClr val="tx2">
+                    <a:lumMod val="90000"/>
+                    <a:lumOff val="10000"/>
+                  </a:schemeClr>
+                </a:solidFill>
+              </a:rPr>
+              <a:t>Commands</a:t>
+            </a:r>
+            <a:endParaRPr lang="de-DE" dirty="0">
+              <a:solidFill>
+                <a:schemeClr val="tx2">
+                  <a:lumMod val="90000"/>
+                  <a:lumOff val="10000"/>
+                </a:schemeClr>
+              </a:solidFill>
+            </a:endParaRPr>
+          </a:p>
+        </p:txBody>
+      </p:sp>
+      <p:sp>
+        <p:nvSpPr>
+          <p:cNvPr id="2" name="Rechteck: abgerundete Ecken 1">
+            <a:extLst>
+              <a:ext uri="{FF2B5EF4-FFF2-40B4-BE49-F238E27FC236}">
+                <a16:creationId xmlns:a16="http://schemas.microsoft.com/office/drawing/2014/main" id="{25FBE9FB-0614-1164-A642-398DB82449F3}"/>
+              </a:ext>
+            </a:extLst>
+          </p:cNvPr>
+          <p:cNvSpPr/>
+          <p:nvPr/>
+        </p:nvSpPr>
+        <p:spPr>
+          <a:xfrm>
+            <a:off x="2343150" y="1396749"/>
+            <a:ext cx="6600444" cy="783333"/>
+          </a:xfrm>
+          <a:prstGeom prst="roundRect">
+            <a:avLst/>
+          </a:prstGeom>
+          <a:solidFill>
+            <a:schemeClr val="tx2">
+              <a:lumMod val="10000"/>
+              <a:lumOff val="90000"/>
+            </a:schemeClr>
+          </a:solidFill>
+        </p:spPr>
+        <p:style>
+          <a:lnRef idx="2">
+            <a:schemeClr val="accent1">
+              <a:shade val="15000"/>
+            </a:schemeClr>
+          </a:lnRef>
+          <a:fillRef idx="1">
+            <a:schemeClr val="accent1"/>
+          </a:fillRef>
+          <a:effectRef idx="0">
+            <a:schemeClr val="accent1"/>
+          </a:effectRef>
+          <a:fontRef idx="minor">
+            <a:schemeClr val="lt1"/>
+          </a:fontRef>
+        </p:style>
+        <p:txBody>
+          <a:bodyPr rtlCol="0" anchor="t"/>
+          <a:lstStyle/>
+          <a:p>
+            <a:r>
+              <a:rPr lang="de-DE" dirty="0">
+                <a:solidFill>
+                  <a:schemeClr val="tx2">
+                    <a:lumMod val="90000"/>
+                    <a:lumOff val="10000"/>
+                  </a:schemeClr>
+                </a:solidFill>
+              </a:rPr>
+              <a:t>Win32_utilities</a:t>
+            </a:r>
           </a:p>
         </p:txBody>
       </p:sp>
@@ -3432,58 +3510,6 @@
       </p:sp>
       <p:sp>
         <p:nvSpPr>
-          <p:cNvPr id="16" name="Rechteck: abgerundete Ecken 15">
-            <a:extLst>
-              <a:ext uri="{FF2B5EF4-FFF2-40B4-BE49-F238E27FC236}">
-                <a16:creationId xmlns:a16="http://schemas.microsoft.com/office/drawing/2014/main" id="{CDC05A79-0B0C-92AF-D29D-3F206930ED1D}"/>
-              </a:ext>
-            </a:extLst>
-          </p:cNvPr>
-          <p:cNvSpPr/>
-          <p:nvPr/>
-        </p:nvSpPr>
-        <p:spPr>
-          <a:xfrm>
-            <a:off x="1851660" y="300228"/>
-            <a:ext cx="7882128" cy="2244852"/>
-          </a:xfrm>
-          <a:prstGeom prst="roundRect">
-            <a:avLst/>
-          </a:prstGeom>
-          <a:solidFill>
-            <a:schemeClr val="tx2">
-              <a:lumMod val="10000"/>
-              <a:lumOff val="90000"/>
-            </a:schemeClr>
-          </a:solidFill>
-        </p:spPr>
-        <p:style>
-          <a:lnRef idx="2">
-            <a:schemeClr val="accent1">
-              <a:shade val="15000"/>
-            </a:schemeClr>
-          </a:lnRef>
-          <a:fillRef idx="1">
-            <a:schemeClr val="accent1"/>
-          </a:fillRef>
-          <a:effectRef idx="0">
-            <a:schemeClr val="accent1"/>
-          </a:effectRef>
-          <a:fontRef idx="minor">
-            <a:schemeClr val="lt1"/>
-          </a:fontRef>
-        </p:style>
-        <p:txBody>
-          <a:bodyPr rtlCol="0" anchor="ctr"/>
-          <a:lstStyle/>
-          <a:p>
-            <a:pPr algn="ctr"/>
-            <a:endParaRPr lang="de-DE"/>
-          </a:p>
-        </p:txBody>
-      </p:sp>
-      <p:sp>
-        <p:nvSpPr>
           <p:cNvPr id="4" name="Rechteck 3">
             <a:extLst>
               <a:ext uri="{FF2B5EF4-FFF2-40B4-BE49-F238E27FC236}">
@@ -3641,106 +3667,6 @@
       </p:sp>
       <p:sp>
         <p:nvSpPr>
-          <p:cNvPr id="7" name="Rechteck 6">
-            <a:extLst>
-              <a:ext uri="{FF2B5EF4-FFF2-40B4-BE49-F238E27FC236}">
-                <a16:creationId xmlns:a16="http://schemas.microsoft.com/office/drawing/2014/main" id="{35F7F4DE-A9D8-DB47-FC76-C14D48387CE2}"/>
-              </a:ext>
-            </a:extLst>
-          </p:cNvPr>
-          <p:cNvSpPr/>
-          <p:nvPr/>
-        </p:nvSpPr>
-        <p:spPr>
-          <a:xfrm>
-            <a:off x="2410968" y="1863852"/>
-            <a:ext cx="1984248" cy="475488"/>
-          </a:xfrm>
-          <a:prstGeom prst="rect">
-            <a:avLst/>
-          </a:prstGeom>
-        </p:spPr>
-        <p:style>
-          <a:lnRef idx="2">
-            <a:schemeClr val="accent1">
-              <a:shade val="15000"/>
-            </a:schemeClr>
-          </a:lnRef>
-          <a:fillRef idx="1">
-            <a:schemeClr val="accent1"/>
-          </a:fillRef>
-          <a:effectRef idx="0">
-            <a:schemeClr val="accent1"/>
-          </a:effectRef>
-          <a:fontRef idx="minor">
-            <a:schemeClr val="lt1"/>
-          </a:fontRef>
-        </p:style>
-        <p:txBody>
-          <a:bodyPr rtlCol="0" anchor="ctr"/>
-          <a:lstStyle/>
-          <a:p>
-            <a:pPr algn="ctr"/>
-            <a:r>
-              <a:rPr lang="de-DE" dirty="0" err="1"/>
-              <a:t>UndoCommand</a:t>
-            </a:r>
-            <a:endParaRPr lang="de-DE" dirty="0"/>
-          </a:p>
-        </p:txBody>
-      </p:sp>
-      <p:sp>
-        <p:nvSpPr>
-          <p:cNvPr id="8" name="Rechteck 7">
-            <a:extLst>
-              <a:ext uri="{FF2B5EF4-FFF2-40B4-BE49-F238E27FC236}">
-                <a16:creationId xmlns:a16="http://schemas.microsoft.com/office/drawing/2014/main" id="{9540D8F3-07A5-2A34-3ADB-7E9B2BA904D4}"/>
-              </a:ext>
-            </a:extLst>
-          </p:cNvPr>
-          <p:cNvSpPr/>
-          <p:nvPr/>
-        </p:nvSpPr>
-        <p:spPr>
-          <a:xfrm>
-            <a:off x="7409688" y="1836420"/>
-            <a:ext cx="1984248" cy="475488"/>
-          </a:xfrm>
-          <a:prstGeom prst="rect">
-            <a:avLst/>
-          </a:prstGeom>
-        </p:spPr>
-        <p:style>
-          <a:lnRef idx="2">
-            <a:schemeClr val="accent1">
-              <a:shade val="15000"/>
-            </a:schemeClr>
-          </a:lnRef>
-          <a:fillRef idx="1">
-            <a:schemeClr val="accent1"/>
-          </a:fillRef>
-          <a:effectRef idx="0">
-            <a:schemeClr val="accent1"/>
-          </a:effectRef>
-          <a:fontRef idx="minor">
-            <a:schemeClr val="lt1"/>
-          </a:fontRef>
-        </p:style>
-        <p:txBody>
-          <a:bodyPr rtlCol="0" anchor="ctr"/>
-          <a:lstStyle/>
-          <a:p>
-            <a:pPr algn="ctr"/>
-            <a:r>
-              <a:rPr lang="de-DE" dirty="0" err="1"/>
-              <a:t>RedoCommand</a:t>
-            </a:r>
-            <a:endParaRPr lang="de-DE" dirty="0"/>
-          </a:p>
-        </p:txBody>
-      </p:sp>
-      <p:sp>
-        <p:nvSpPr>
           <p:cNvPr id="9" name="Rechteck 8">
             <a:extLst>
               <a:ext uri="{FF2B5EF4-FFF2-40B4-BE49-F238E27FC236}">
@@ -3803,7 +3729,7 @@
         </p:nvSpPr>
         <p:spPr>
           <a:xfrm>
-            <a:off x="4818888" y="2717101"/>
+            <a:off x="4818888" y="1530005"/>
             <a:ext cx="1984248" cy="475488"/>
           </a:xfrm>
           <a:prstGeom prst="rect">
@@ -3834,56 +3760,6 @@
             <a:r>
               <a:rPr lang="de-DE" dirty="0" err="1"/>
               <a:t>WinCommand</a:t>
-            </a:r>
-            <a:endParaRPr lang="de-DE" dirty="0"/>
-          </a:p>
-        </p:txBody>
-      </p:sp>
-      <p:sp>
-        <p:nvSpPr>
-          <p:cNvPr id="11" name="Rechteck 10">
-            <a:extLst>
-              <a:ext uri="{FF2B5EF4-FFF2-40B4-BE49-F238E27FC236}">
-                <a16:creationId xmlns:a16="http://schemas.microsoft.com/office/drawing/2014/main" id="{0FE8F28D-2424-213A-E2A2-1EEFAB857496}"/>
-              </a:ext>
-            </a:extLst>
-          </p:cNvPr>
-          <p:cNvSpPr/>
-          <p:nvPr/>
-        </p:nvSpPr>
-        <p:spPr>
-          <a:xfrm>
-            <a:off x="4818888" y="1194816"/>
-            <a:ext cx="2167128" cy="475488"/>
-          </a:xfrm>
-          <a:prstGeom prst="rect">
-            <a:avLst/>
-          </a:prstGeom>
-        </p:spPr>
-        <p:style>
-          <a:lnRef idx="2">
-            <a:schemeClr val="accent1">
-              <a:shade val="15000"/>
-            </a:schemeClr>
-          </a:lnRef>
-          <a:fillRef idx="1">
-            <a:schemeClr val="accent1"/>
-          </a:fillRef>
-          <a:effectRef idx="0">
-            <a:schemeClr val="accent1"/>
-          </a:effectRef>
-          <a:fontRef idx="minor">
-            <a:schemeClr val="lt1"/>
-          </a:fontRef>
-        </p:style>
-        <p:txBody>
-          <a:bodyPr rtlCol="0" anchor="ctr"/>
-          <a:lstStyle/>
-          <a:p>
-            <a:pPr algn="ctr"/>
-            <a:r>
-              <a:rPr lang="de-DE" dirty="0" err="1"/>
-              <a:t>StdStackCommand</a:t>
             </a:r>
             <a:endParaRPr lang="de-DE" dirty="0"/>
           </a:p>
@@ -3953,8 +3829,8 @@
         </p:nvSpPr>
         <p:spPr>
           <a:xfrm>
-            <a:off x="3371089" y="5039868"/>
-            <a:ext cx="1984248" cy="475488"/>
+            <a:off x="3055620" y="5039868"/>
+            <a:ext cx="2299717" cy="475488"/>
           </a:xfrm>
           <a:prstGeom prst="rect">
             <a:avLst/>

--- a/NNet/Docu/Commands.pptx
+++ b/NNet/Docu/Commands.pptx
@@ -3340,8 +3340,8 @@
         </p:nvSpPr>
         <p:spPr>
           <a:xfrm>
-            <a:off x="1851660" y="300229"/>
-            <a:ext cx="7882128" cy="958406"/>
+            <a:off x="2240280" y="300229"/>
+            <a:ext cx="7166610" cy="958406"/>
           </a:xfrm>
           <a:prstGeom prst="roundRect">
             <a:avLst/>
@@ -3410,7 +3410,7 @@
         <p:spPr>
           <a:xfrm>
             <a:off x="2343150" y="1396749"/>
-            <a:ext cx="6600444" cy="783333"/>
+            <a:ext cx="7063740" cy="783333"/>
           </a:xfrm>
           <a:prstGeom prst="roundRect">
             <a:avLst/>
@@ -3912,6 +3912,105 @@
               <a:t>SetScalesCommand</a:t>
             </a:r>
             <a:endParaRPr lang="de-DE" dirty="0"/>
+          </a:p>
+        </p:txBody>
+      </p:sp>
+      <p:sp>
+        <p:nvSpPr>
+          <p:cNvPr id="14" name="Rechteck 13">
+            <a:extLst>
+              <a:ext uri="{FF2B5EF4-FFF2-40B4-BE49-F238E27FC236}">
+                <a16:creationId xmlns:a16="http://schemas.microsoft.com/office/drawing/2014/main" id="{F822062A-963A-2AFE-8FD2-4A10B5A9650C}"/>
+              </a:ext>
+            </a:extLst>
+          </p:cNvPr>
+          <p:cNvSpPr/>
+          <p:nvPr/>
+        </p:nvSpPr>
+        <p:spPr>
+          <a:xfrm>
+            <a:off x="7060692" y="533403"/>
+            <a:ext cx="1984248" cy="475488"/>
+          </a:xfrm>
+          <a:prstGeom prst="rect">
+            <a:avLst/>
+          </a:prstGeom>
+        </p:spPr>
+        <p:style>
+          <a:lnRef idx="2">
+            <a:schemeClr val="accent1">
+              <a:shade val="15000"/>
+            </a:schemeClr>
+          </a:lnRef>
+          <a:fillRef idx="1">
+            <a:schemeClr val="accent1"/>
+          </a:fillRef>
+          <a:effectRef idx="0">
+            <a:schemeClr val="accent1"/>
+          </a:effectRef>
+          <a:fontRef idx="minor">
+            <a:schemeClr val="lt1"/>
+          </a:fontRef>
+        </p:style>
+        <p:txBody>
+          <a:bodyPr rtlCol="0" anchor="ctr"/>
+          <a:lstStyle/>
+          <a:p>
+            <a:pPr algn="ctr"/>
+            <a:r>
+              <a:rPr lang="de-DE" dirty="0" err="1"/>
+              <a:t>CommandStack</a:t>
+            </a:r>
+            <a:endParaRPr lang="de-DE" dirty="0"/>
+          </a:p>
+        </p:txBody>
+      </p:sp>
+      <p:sp>
+        <p:nvSpPr>
+          <p:cNvPr id="18" name="Rechteck 17">
+            <a:extLst>
+              <a:ext uri="{FF2B5EF4-FFF2-40B4-BE49-F238E27FC236}">
+                <a16:creationId xmlns:a16="http://schemas.microsoft.com/office/drawing/2014/main" id="{90481FA3-F3DA-EBFE-B294-7894E73661B4}"/>
+              </a:ext>
+            </a:extLst>
+          </p:cNvPr>
+          <p:cNvSpPr/>
+          <p:nvPr/>
+        </p:nvSpPr>
+        <p:spPr>
+          <a:xfrm>
+            <a:off x="6959346" y="1530005"/>
+            <a:ext cx="1395984" cy="475488"/>
+          </a:xfrm>
+          <a:prstGeom prst="rect">
+            <a:avLst/>
+          </a:prstGeom>
+        </p:spPr>
+        <p:style>
+          <a:lnRef idx="2">
+            <a:schemeClr val="accent1">
+              <a:shade val="15000"/>
+            </a:schemeClr>
+          </a:lnRef>
+          <a:fillRef idx="1">
+            <a:schemeClr val="accent1"/>
+          </a:fillRef>
+          <a:effectRef idx="0">
+            <a:schemeClr val="accent1"/>
+          </a:effectRef>
+          <a:fontRef idx="minor">
+            <a:schemeClr val="lt1"/>
+          </a:fontRef>
+        </p:style>
+        <p:txBody>
+          <a:bodyPr rtlCol="0" anchor="ctr"/>
+          <a:lstStyle/>
+          <a:p>
+            <a:pPr algn="ctr"/>
+            <a:r>
+              <a:rPr lang="de-DE" dirty="0"/>
+              <a:t>Animation</a:t>
+            </a:r>
           </a:p>
         </p:txBody>
       </p:sp>

--- a/NNet/Docu/Commands.pptx
+++ b/NNet/Docu/Commands.pptx
@@ -259,7 +259,7 @@
           <a:p>
             <a:fld id="{BA818599-7C99-4F56-8776-2F99B1BE9A6A}" type="datetimeFigureOut">
               <a:rPr lang="de-DE" smtClean="0"/>
-              <a:t>14.06.2024</a:t>
+              <a:t>15.06.2024</a:t>
             </a:fld>
             <a:endParaRPr lang="de-DE"/>
           </a:p>
@@ -457,7 +457,7 @@
           <a:p>
             <a:fld id="{BA818599-7C99-4F56-8776-2F99B1BE9A6A}" type="datetimeFigureOut">
               <a:rPr lang="de-DE" smtClean="0"/>
-              <a:t>14.06.2024</a:t>
+              <a:t>15.06.2024</a:t>
             </a:fld>
             <a:endParaRPr lang="de-DE"/>
           </a:p>
@@ -665,7 +665,7 @@
           <a:p>
             <a:fld id="{BA818599-7C99-4F56-8776-2F99B1BE9A6A}" type="datetimeFigureOut">
               <a:rPr lang="de-DE" smtClean="0"/>
-              <a:t>14.06.2024</a:t>
+              <a:t>15.06.2024</a:t>
             </a:fld>
             <a:endParaRPr lang="de-DE"/>
           </a:p>
@@ -863,7 +863,7 @@
           <a:p>
             <a:fld id="{BA818599-7C99-4F56-8776-2F99B1BE9A6A}" type="datetimeFigureOut">
               <a:rPr lang="de-DE" smtClean="0"/>
-              <a:t>14.06.2024</a:t>
+              <a:t>15.06.2024</a:t>
             </a:fld>
             <a:endParaRPr lang="de-DE"/>
           </a:p>
@@ -1138,7 +1138,7 @@
           <a:p>
             <a:fld id="{BA818599-7C99-4F56-8776-2F99B1BE9A6A}" type="datetimeFigureOut">
               <a:rPr lang="de-DE" smtClean="0"/>
-              <a:t>14.06.2024</a:t>
+              <a:t>15.06.2024</a:t>
             </a:fld>
             <a:endParaRPr lang="de-DE"/>
           </a:p>
@@ -1403,7 +1403,7 @@
           <a:p>
             <a:fld id="{BA818599-7C99-4F56-8776-2F99B1BE9A6A}" type="datetimeFigureOut">
               <a:rPr lang="de-DE" smtClean="0"/>
-              <a:t>14.06.2024</a:t>
+              <a:t>15.06.2024</a:t>
             </a:fld>
             <a:endParaRPr lang="de-DE"/>
           </a:p>
@@ -1815,7 +1815,7 @@
           <a:p>
             <a:fld id="{BA818599-7C99-4F56-8776-2F99B1BE9A6A}" type="datetimeFigureOut">
               <a:rPr lang="de-DE" smtClean="0"/>
-              <a:t>14.06.2024</a:t>
+              <a:t>15.06.2024</a:t>
             </a:fld>
             <a:endParaRPr lang="de-DE"/>
           </a:p>
@@ -1956,7 +1956,7 @@
           <a:p>
             <a:fld id="{BA818599-7C99-4F56-8776-2F99B1BE9A6A}" type="datetimeFigureOut">
               <a:rPr lang="de-DE" smtClean="0"/>
-              <a:t>14.06.2024</a:t>
+              <a:t>15.06.2024</a:t>
             </a:fld>
             <a:endParaRPr lang="de-DE"/>
           </a:p>
@@ -2069,7 +2069,7 @@
           <a:p>
             <a:fld id="{BA818599-7C99-4F56-8776-2F99B1BE9A6A}" type="datetimeFigureOut">
               <a:rPr lang="de-DE" smtClean="0"/>
-              <a:t>14.06.2024</a:t>
+              <a:t>15.06.2024</a:t>
             </a:fld>
             <a:endParaRPr lang="de-DE"/>
           </a:p>
@@ -2380,7 +2380,7 @@
           <a:p>
             <a:fld id="{BA818599-7C99-4F56-8776-2F99B1BE9A6A}" type="datetimeFigureOut">
               <a:rPr lang="de-DE" smtClean="0"/>
-              <a:t>14.06.2024</a:t>
+              <a:t>15.06.2024</a:t>
             </a:fld>
             <a:endParaRPr lang="de-DE"/>
           </a:p>
@@ -2668,7 +2668,7 @@
           <a:p>
             <a:fld id="{BA818599-7C99-4F56-8776-2F99B1BE9A6A}" type="datetimeFigureOut">
               <a:rPr lang="de-DE" smtClean="0"/>
-              <a:t>14.06.2024</a:t>
+              <a:t>15.06.2024</a:t>
             </a:fld>
             <a:endParaRPr lang="de-DE"/>
           </a:p>
@@ -2909,7 +2909,7 @@
           <a:p>
             <a:fld id="{BA818599-7C99-4F56-8776-2F99B1BE9A6A}" type="datetimeFigureOut">
               <a:rPr lang="de-DE" smtClean="0"/>
-              <a:t>14.06.2024</a:t>
+              <a:t>15.06.2024</a:t>
             </a:fld>
             <a:endParaRPr lang="de-DE"/>
           </a:p>
@@ -3340,7 +3340,7 @@
         </p:nvSpPr>
         <p:spPr>
           <a:xfrm>
-            <a:off x="2240280" y="300229"/>
+            <a:off x="514350" y="300229"/>
             <a:ext cx="7166610" cy="958406"/>
           </a:xfrm>
           <a:prstGeom prst="roundRect">
@@ -3409,8 +3409,8 @@
         </p:nvSpPr>
         <p:spPr>
           <a:xfrm>
-            <a:off x="2343150" y="1396749"/>
-            <a:ext cx="7063740" cy="783333"/>
+            <a:off x="430150" y="1396748"/>
+            <a:ext cx="11496674" cy="3053995"/>
           </a:xfrm>
           <a:prstGeom prst="roundRect">
             <a:avLst/>
@@ -3470,8 +3470,8 @@
         </p:nvSpPr>
         <p:spPr>
           <a:xfrm>
-            <a:off x="265176" y="3372231"/>
-            <a:ext cx="11661648" cy="3335274"/>
+            <a:off x="265176" y="4714397"/>
+            <a:ext cx="11661648" cy="1993108"/>
           </a:xfrm>
           <a:prstGeom prst="roundRect">
             <a:avLst/>
@@ -3522,7 +3522,7 @@
         </p:nvSpPr>
         <p:spPr>
           <a:xfrm>
-            <a:off x="4818888" y="557784"/>
+            <a:off x="2385822" y="545404"/>
             <a:ext cx="1984248" cy="475488"/>
           </a:xfrm>
           <a:prstGeom prst="rect">
@@ -3572,7 +3572,7 @@
         </p:nvSpPr>
         <p:spPr>
           <a:xfrm>
-            <a:off x="5643372" y="5039868"/>
+            <a:off x="6739319" y="3844000"/>
             <a:ext cx="2834640" cy="475488"/>
           </a:xfrm>
           <a:prstGeom prst="rect">
@@ -3622,7 +3622,7 @@
         </p:nvSpPr>
         <p:spPr>
           <a:xfrm>
-            <a:off x="4561332" y="4314444"/>
+            <a:off x="4846320" y="2528747"/>
             <a:ext cx="2499360" cy="475488"/>
           </a:xfrm>
           <a:prstGeom prst="rect">
@@ -3679,7 +3679,7 @@
         </p:nvSpPr>
         <p:spPr>
           <a:xfrm>
-            <a:off x="4818888" y="3672840"/>
+            <a:off x="1805939" y="4857560"/>
             <a:ext cx="1984248" cy="475488"/>
           </a:xfrm>
           <a:prstGeom prst="rect">
@@ -3729,7 +3729,7 @@
         </p:nvSpPr>
         <p:spPr>
           <a:xfrm>
-            <a:off x="4818888" y="1530005"/>
+            <a:off x="2385822" y="1514141"/>
             <a:ext cx="1984248" cy="475488"/>
           </a:xfrm>
           <a:prstGeom prst="rect">
@@ -3779,7 +3779,7 @@
         </p:nvSpPr>
         <p:spPr>
           <a:xfrm>
-            <a:off x="8638032" y="5039868"/>
+            <a:off x="6739319" y="3295648"/>
             <a:ext cx="2997708" cy="475488"/>
           </a:xfrm>
           <a:prstGeom prst="rect">
@@ -3829,7 +3829,7 @@
         </p:nvSpPr>
         <p:spPr>
           <a:xfrm>
-            <a:off x="3055620" y="5039868"/>
+            <a:off x="3416806" y="3277220"/>
             <a:ext cx="2299717" cy="475488"/>
           </a:xfrm>
           <a:prstGeom prst="rect">
@@ -3879,7 +3879,7 @@
         </p:nvSpPr>
         <p:spPr>
           <a:xfrm>
-            <a:off x="542544" y="5039868"/>
+            <a:off x="3416806" y="3844000"/>
             <a:ext cx="2353056" cy="475488"/>
           </a:xfrm>
           <a:prstGeom prst="rect">
@@ -3929,7 +3929,116 @@
         </p:nvSpPr>
         <p:spPr>
           <a:xfrm>
-            <a:off x="7060692" y="533403"/>
+            <a:off x="4499039" y="541688"/>
+            <a:ext cx="1984248" cy="475488"/>
+          </a:xfrm>
+          <a:prstGeom prst="rect">
+            <a:avLst/>
+          </a:prstGeom>
+          <a:solidFill>
+            <a:schemeClr val="accent5">
+              <a:lumMod val="75000"/>
+            </a:schemeClr>
+          </a:solidFill>
+        </p:spPr>
+        <p:style>
+          <a:lnRef idx="2">
+            <a:schemeClr val="accent1">
+              <a:shade val="15000"/>
+            </a:schemeClr>
+          </a:lnRef>
+          <a:fillRef idx="1">
+            <a:schemeClr val="accent1"/>
+          </a:fillRef>
+          <a:effectRef idx="0">
+            <a:schemeClr val="accent1"/>
+          </a:effectRef>
+          <a:fontRef idx="minor">
+            <a:schemeClr val="lt1"/>
+          </a:fontRef>
+        </p:style>
+        <p:txBody>
+          <a:bodyPr rtlCol="0" anchor="ctr"/>
+          <a:lstStyle/>
+          <a:p>
+            <a:pPr algn="ctr"/>
+            <a:r>
+              <a:rPr lang="de-DE" dirty="0" err="1"/>
+              <a:t>CommandStack</a:t>
+            </a:r>
+            <a:endParaRPr lang="de-DE" dirty="0"/>
+          </a:p>
+        </p:txBody>
+      </p:sp>
+      <p:sp>
+        <p:nvSpPr>
+          <p:cNvPr id="18" name="Rechteck 17">
+            <a:extLst>
+              <a:ext uri="{FF2B5EF4-FFF2-40B4-BE49-F238E27FC236}">
+                <a16:creationId xmlns:a16="http://schemas.microsoft.com/office/drawing/2014/main" id="{90481FA3-F3DA-EBFE-B294-7894E73661B4}"/>
+              </a:ext>
+            </a:extLst>
+          </p:cNvPr>
+          <p:cNvSpPr/>
+          <p:nvPr/>
+        </p:nvSpPr>
+        <p:spPr>
+          <a:xfrm>
+            <a:off x="7248524" y="1522289"/>
+            <a:ext cx="1395984" cy="475488"/>
+          </a:xfrm>
+          <a:prstGeom prst="rect">
+            <a:avLst/>
+          </a:prstGeom>
+          <a:solidFill>
+            <a:schemeClr val="accent5">
+              <a:lumMod val="75000"/>
+            </a:schemeClr>
+          </a:solidFill>
+        </p:spPr>
+        <p:style>
+          <a:lnRef idx="2">
+            <a:schemeClr val="accent1">
+              <a:shade val="15000"/>
+            </a:schemeClr>
+          </a:lnRef>
+          <a:fillRef idx="1">
+            <a:schemeClr val="accent1"/>
+          </a:fillRef>
+          <a:effectRef idx="0">
+            <a:schemeClr val="accent1"/>
+          </a:effectRef>
+          <a:fontRef idx="minor">
+            <a:schemeClr val="lt1"/>
+          </a:fontRef>
+        </p:style>
+        <p:txBody>
+          <a:bodyPr rtlCol="0" anchor="ctr"/>
+          <a:lstStyle/>
+          <a:p>
+            <a:pPr algn="ctr"/>
+            <a:r>
+              <a:rPr lang="de-DE" dirty="0"/>
+              <a:t>Animation</a:t>
+            </a:r>
+          </a:p>
+        </p:txBody>
+      </p:sp>
+      <p:sp>
+        <p:nvSpPr>
+          <p:cNvPr id="3" name="Rechteck 2">
+            <a:extLst>
+              <a:ext uri="{FF2B5EF4-FFF2-40B4-BE49-F238E27FC236}">
+                <a16:creationId xmlns:a16="http://schemas.microsoft.com/office/drawing/2014/main" id="{095669A0-3386-2401-2B9E-512A3EA9F25E}"/>
+              </a:ext>
+            </a:extLst>
+          </p:cNvPr>
+          <p:cNvSpPr/>
+          <p:nvPr/>
+        </p:nvSpPr>
+        <p:spPr>
+          <a:xfrm>
+            <a:off x="5103876" y="5837861"/>
             <a:ext cx="1984248" cy="475488"/>
           </a:xfrm>
           <a:prstGeom prst="rect">
@@ -3958,19 +4067,18 @@
           <a:p>
             <a:pPr algn="ctr"/>
             <a:r>
-              <a:rPr lang="de-DE" dirty="0" err="1"/>
-              <a:t>CommandStack</a:t>
-            </a:r>
-            <a:endParaRPr lang="de-DE" dirty="0"/>
-          </a:p>
-        </p:txBody>
-      </p:sp>
-      <p:sp>
-        <p:nvSpPr>
-          <p:cNvPr id="18" name="Rechteck 17">
-            <a:extLst>
-              <a:ext uri="{FF2B5EF4-FFF2-40B4-BE49-F238E27FC236}">
-                <a16:creationId xmlns:a16="http://schemas.microsoft.com/office/drawing/2014/main" id="{90481FA3-F3DA-EBFE-B294-7894E73661B4}"/>
+              <a:rPr lang="de-DE" dirty="0"/>
+              <a:t>…Command</a:t>
+            </a:r>
+          </a:p>
+        </p:txBody>
+      </p:sp>
+      <p:sp>
+        <p:nvSpPr>
+          <p:cNvPr id="7" name="Rechteck 6">
+            <a:extLst>
+              <a:ext uri="{FF2B5EF4-FFF2-40B4-BE49-F238E27FC236}">
+                <a16:creationId xmlns:a16="http://schemas.microsoft.com/office/drawing/2014/main" id="{AA412A11-7403-C9C4-B9BF-1DAAB372AF14}"/>
               </a:ext>
             </a:extLst>
           </p:cNvPr>
@@ -3979,8 +4087,8 @@
         </p:nvSpPr>
         <p:spPr>
           <a:xfrm>
-            <a:off x="6959346" y="1530005"/>
-            <a:ext cx="1395984" cy="475488"/>
+            <a:off x="430150" y="5837108"/>
+            <a:ext cx="1984248" cy="475488"/>
           </a:xfrm>
           <a:prstGeom prst="rect">
             <a:avLst/>
@@ -4009,11 +4117,266 @@
             <a:pPr algn="ctr"/>
             <a:r>
               <a:rPr lang="de-DE" dirty="0"/>
-              <a:t>Animation</a:t>
-            </a:r>
-          </a:p>
-        </p:txBody>
-      </p:sp>
+              <a:t>…Command</a:t>
+            </a:r>
+          </a:p>
+        </p:txBody>
+      </p:sp>
+      <p:sp>
+        <p:nvSpPr>
+          <p:cNvPr id="8" name="Rechteck 7">
+            <a:extLst>
+              <a:ext uri="{FF2B5EF4-FFF2-40B4-BE49-F238E27FC236}">
+                <a16:creationId xmlns:a16="http://schemas.microsoft.com/office/drawing/2014/main" id="{ACC6F259-E585-5327-377F-08E2CA1E4E89}"/>
+              </a:ext>
+            </a:extLst>
+          </p:cNvPr>
+          <p:cNvSpPr/>
+          <p:nvPr/>
+        </p:nvSpPr>
+        <p:spPr>
+          <a:xfrm>
+            <a:off x="7450454" y="5808340"/>
+            <a:ext cx="1984248" cy="475488"/>
+          </a:xfrm>
+          <a:prstGeom prst="rect">
+            <a:avLst/>
+          </a:prstGeom>
+        </p:spPr>
+        <p:style>
+          <a:lnRef idx="2">
+            <a:schemeClr val="accent1">
+              <a:shade val="15000"/>
+            </a:schemeClr>
+          </a:lnRef>
+          <a:fillRef idx="1">
+            <a:schemeClr val="accent1"/>
+          </a:fillRef>
+          <a:effectRef idx="0">
+            <a:schemeClr val="accent1"/>
+          </a:effectRef>
+          <a:fontRef idx="minor">
+            <a:schemeClr val="lt1"/>
+          </a:fontRef>
+        </p:style>
+        <p:txBody>
+          <a:bodyPr rtlCol="0" anchor="ctr"/>
+          <a:lstStyle/>
+          <a:p>
+            <a:pPr algn="ctr"/>
+            <a:r>
+              <a:rPr lang="de-DE" dirty="0"/>
+              <a:t>…Command</a:t>
+            </a:r>
+          </a:p>
+        </p:txBody>
+      </p:sp>
+      <p:sp>
+        <p:nvSpPr>
+          <p:cNvPr id="11" name="Rechteck 10">
+            <a:extLst>
+              <a:ext uri="{FF2B5EF4-FFF2-40B4-BE49-F238E27FC236}">
+                <a16:creationId xmlns:a16="http://schemas.microsoft.com/office/drawing/2014/main" id="{5D88D938-6CF7-3C3B-9D73-55B1F979F03D}"/>
+              </a:ext>
+            </a:extLst>
+          </p:cNvPr>
+          <p:cNvSpPr/>
+          <p:nvPr/>
+        </p:nvSpPr>
+        <p:spPr>
+          <a:xfrm>
+            <a:off x="2757298" y="5837108"/>
+            <a:ext cx="1984248" cy="475488"/>
+          </a:xfrm>
+          <a:prstGeom prst="rect">
+            <a:avLst/>
+          </a:prstGeom>
+        </p:spPr>
+        <p:style>
+          <a:lnRef idx="2">
+            <a:schemeClr val="accent1">
+              <a:shade val="15000"/>
+            </a:schemeClr>
+          </a:lnRef>
+          <a:fillRef idx="1">
+            <a:schemeClr val="accent1"/>
+          </a:fillRef>
+          <a:effectRef idx="0">
+            <a:schemeClr val="accent1"/>
+          </a:effectRef>
+          <a:fontRef idx="minor">
+            <a:schemeClr val="lt1"/>
+          </a:fontRef>
+        </p:style>
+        <p:txBody>
+          <a:bodyPr rtlCol="0" anchor="ctr"/>
+          <a:lstStyle/>
+          <a:p>
+            <a:pPr algn="ctr"/>
+            <a:r>
+              <a:rPr lang="de-DE" dirty="0"/>
+              <a:t>…Command</a:t>
+            </a:r>
+          </a:p>
+        </p:txBody>
+      </p:sp>
+      <p:cxnSp>
+        <p:nvCxnSpPr>
+          <p:cNvPr id="49" name="Verbinder: gewinkelt 48">
+            <a:extLst>
+              <a:ext uri="{FF2B5EF4-FFF2-40B4-BE49-F238E27FC236}">
+                <a16:creationId xmlns:a16="http://schemas.microsoft.com/office/drawing/2014/main" id="{62316336-A13F-881D-8258-6D7F54CCCEF7}"/>
+              </a:ext>
+            </a:extLst>
+          </p:cNvPr>
+          <p:cNvCxnSpPr>
+            <a:cxnSpLocks/>
+          </p:cNvCxnSpPr>
+          <p:nvPr/>
+        </p:nvCxnSpPr>
+        <p:spPr>
+          <a:xfrm rot="5400000">
+            <a:off x="1657354" y="3097725"/>
+            <a:ext cx="2820541" cy="620645"/>
+          </a:xfrm>
+          <a:prstGeom prst="bentConnector3">
+            <a:avLst>
+              <a:gd name="adj1" fmla="val 9071"/>
+            </a:avLst>
+          </a:prstGeom>
+        </p:spPr>
+        <p:style>
+          <a:lnRef idx="2">
+            <a:schemeClr val="accent1"/>
+          </a:lnRef>
+          <a:fillRef idx="0">
+            <a:schemeClr val="accent1"/>
+          </a:fillRef>
+          <a:effectRef idx="1">
+            <a:schemeClr val="accent1"/>
+          </a:effectRef>
+          <a:fontRef idx="minor">
+            <a:schemeClr val="tx1"/>
+          </a:fontRef>
+        </p:style>
+      </p:cxnSp>
+      <p:cxnSp>
+        <p:nvCxnSpPr>
+          <p:cNvPr id="57" name="Gerade Verbindung mit Pfeil 56">
+            <a:extLst>
+              <a:ext uri="{FF2B5EF4-FFF2-40B4-BE49-F238E27FC236}">
+                <a16:creationId xmlns:a16="http://schemas.microsoft.com/office/drawing/2014/main" id="{DD8BAA8F-06E1-387D-073B-204A8E3A399D}"/>
+              </a:ext>
+            </a:extLst>
+          </p:cNvPr>
+          <p:cNvCxnSpPr>
+            <a:stCxn id="4" idx="2"/>
+          </p:cNvCxnSpPr>
+          <p:nvPr/>
+        </p:nvCxnSpPr>
+        <p:spPr>
+          <a:xfrm>
+            <a:off x="3377946" y="1020892"/>
+            <a:ext cx="0" cy="493249"/>
+          </a:xfrm>
+          <a:prstGeom prst="straightConnector1">
+            <a:avLst/>
+          </a:prstGeom>
+          <a:ln>
+            <a:tailEnd type="triangle"/>
+          </a:ln>
+        </p:spPr>
+        <p:style>
+          <a:lnRef idx="2">
+            <a:schemeClr val="accent1"/>
+          </a:lnRef>
+          <a:fillRef idx="0">
+            <a:schemeClr val="accent1"/>
+          </a:fillRef>
+          <a:effectRef idx="1">
+            <a:schemeClr val="accent1"/>
+          </a:effectRef>
+          <a:fontRef idx="minor">
+            <a:schemeClr val="tx1"/>
+          </a:fontRef>
+        </p:style>
+      </p:cxnSp>
+      <p:cxnSp>
+        <p:nvCxnSpPr>
+          <p:cNvPr id="66" name="Gerader Verbinder 65">
+            <a:extLst>
+              <a:ext uri="{FF2B5EF4-FFF2-40B4-BE49-F238E27FC236}">
+                <a16:creationId xmlns:a16="http://schemas.microsoft.com/office/drawing/2014/main" id="{09B08CF0-2FF7-CA59-8415-7D2EA726C211}"/>
+              </a:ext>
+            </a:extLst>
+          </p:cNvPr>
+          <p:cNvCxnSpPr/>
+          <p:nvPr/>
+        </p:nvCxnSpPr>
+        <p:spPr>
+          <a:xfrm flipH="1">
+            <a:off x="8401814" y="4437315"/>
+            <a:ext cx="334136" cy="0"/>
+          </a:xfrm>
+          <a:prstGeom prst="line">
+            <a:avLst/>
+          </a:prstGeom>
+        </p:spPr>
+        <p:style>
+          <a:lnRef idx="2">
+            <a:schemeClr val="accent1"/>
+          </a:lnRef>
+          <a:fillRef idx="0">
+            <a:schemeClr val="accent1"/>
+          </a:fillRef>
+          <a:effectRef idx="1">
+            <a:schemeClr val="accent1"/>
+          </a:effectRef>
+          <a:fontRef idx="minor">
+            <a:schemeClr val="tx1"/>
+          </a:fontRef>
+        </p:style>
+      </p:cxnSp>
+      <p:cxnSp>
+        <p:nvCxnSpPr>
+          <p:cNvPr id="84" name="Verbinder: gewinkelt 83">
+            <a:extLst>
+              <a:ext uri="{FF2B5EF4-FFF2-40B4-BE49-F238E27FC236}">
+                <a16:creationId xmlns:a16="http://schemas.microsoft.com/office/drawing/2014/main" id="{8ECAD8A8-D4A4-7197-5C9F-BDDDF37A731B}"/>
+              </a:ext>
+            </a:extLst>
+          </p:cNvPr>
+          <p:cNvCxnSpPr>
+            <a:cxnSpLocks/>
+          </p:cNvCxnSpPr>
+          <p:nvPr/>
+        </p:nvCxnSpPr>
+        <p:spPr>
+          <a:xfrm>
+            <a:off x="3377946" y="2253283"/>
+            <a:ext cx="1446564" cy="513208"/>
+          </a:xfrm>
+          <a:prstGeom prst="bentConnector3">
+            <a:avLst>
+              <a:gd name="adj1" fmla="val 50000"/>
+            </a:avLst>
+          </a:prstGeom>
+        </p:spPr>
+        <p:style>
+          <a:lnRef idx="2">
+            <a:schemeClr val="accent1"/>
+          </a:lnRef>
+          <a:fillRef idx="0">
+            <a:schemeClr val="accent1"/>
+          </a:fillRef>
+          <a:effectRef idx="1">
+            <a:schemeClr val="accent1"/>
+          </a:effectRef>
+          <a:fontRef idx="minor">
+            <a:schemeClr val="tx1"/>
+          </a:fontRef>
+        </p:style>
+      </p:cxnSp>
     </p:spTree>
     <p:extLst>
       <p:ext uri="{BB962C8B-B14F-4D97-AF65-F5344CB8AC3E}">

--- a/NNet/Docu/Commands.pptx
+++ b/NNet/Docu/Commands.pptx
@@ -259,7 +259,7 @@
           <a:p>
             <a:fld id="{BA818599-7C99-4F56-8776-2F99B1BE9A6A}" type="datetimeFigureOut">
               <a:rPr lang="de-DE" smtClean="0"/>
-              <a:t>15.06.2024</a:t>
+              <a:t>17.06.2024</a:t>
             </a:fld>
             <a:endParaRPr lang="de-DE"/>
           </a:p>
@@ -457,7 +457,7 @@
           <a:p>
             <a:fld id="{BA818599-7C99-4F56-8776-2F99B1BE9A6A}" type="datetimeFigureOut">
               <a:rPr lang="de-DE" smtClean="0"/>
-              <a:t>15.06.2024</a:t>
+              <a:t>17.06.2024</a:t>
             </a:fld>
             <a:endParaRPr lang="de-DE"/>
           </a:p>
@@ -665,7 +665,7 @@
           <a:p>
             <a:fld id="{BA818599-7C99-4F56-8776-2F99B1BE9A6A}" type="datetimeFigureOut">
               <a:rPr lang="de-DE" smtClean="0"/>
-              <a:t>15.06.2024</a:t>
+              <a:t>17.06.2024</a:t>
             </a:fld>
             <a:endParaRPr lang="de-DE"/>
           </a:p>
@@ -863,7 +863,7 @@
           <a:p>
             <a:fld id="{BA818599-7C99-4F56-8776-2F99B1BE9A6A}" type="datetimeFigureOut">
               <a:rPr lang="de-DE" smtClean="0"/>
-              <a:t>15.06.2024</a:t>
+              <a:t>17.06.2024</a:t>
             </a:fld>
             <a:endParaRPr lang="de-DE"/>
           </a:p>
@@ -1138,7 +1138,7 @@
           <a:p>
             <a:fld id="{BA818599-7C99-4F56-8776-2F99B1BE9A6A}" type="datetimeFigureOut">
               <a:rPr lang="de-DE" smtClean="0"/>
-              <a:t>15.06.2024</a:t>
+              <a:t>17.06.2024</a:t>
             </a:fld>
             <a:endParaRPr lang="de-DE"/>
           </a:p>
@@ -1403,7 +1403,7 @@
           <a:p>
             <a:fld id="{BA818599-7C99-4F56-8776-2F99B1BE9A6A}" type="datetimeFigureOut">
               <a:rPr lang="de-DE" smtClean="0"/>
-              <a:t>15.06.2024</a:t>
+              <a:t>17.06.2024</a:t>
             </a:fld>
             <a:endParaRPr lang="de-DE"/>
           </a:p>
@@ -1815,7 +1815,7 @@
           <a:p>
             <a:fld id="{BA818599-7C99-4F56-8776-2F99B1BE9A6A}" type="datetimeFigureOut">
               <a:rPr lang="de-DE" smtClean="0"/>
-              <a:t>15.06.2024</a:t>
+              <a:t>17.06.2024</a:t>
             </a:fld>
             <a:endParaRPr lang="de-DE"/>
           </a:p>
@@ -1956,7 +1956,7 @@
           <a:p>
             <a:fld id="{BA818599-7C99-4F56-8776-2F99B1BE9A6A}" type="datetimeFigureOut">
               <a:rPr lang="de-DE" smtClean="0"/>
-              <a:t>15.06.2024</a:t>
+              <a:t>17.06.2024</a:t>
             </a:fld>
             <a:endParaRPr lang="de-DE"/>
           </a:p>
@@ -2069,7 +2069,7 @@
           <a:p>
             <a:fld id="{BA818599-7C99-4F56-8776-2F99B1BE9A6A}" type="datetimeFigureOut">
               <a:rPr lang="de-DE" smtClean="0"/>
-              <a:t>15.06.2024</a:t>
+              <a:t>17.06.2024</a:t>
             </a:fld>
             <a:endParaRPr lang="de-DE"/>
           </a:p>
@@ -2380,7 +2380,7 @@
           <a:p>
             <a:fld id="{BA818599-7C99-4F56-8776-2F99B1BE9A6A}" type="datetimeFigureOut">
               <a:rPr lang="de-DE" smtClean="0"/>
-              <a:t>15.06.2024</a:t>
+              <a:t>17.06.2024</a:t>
             </a:fld>
             <a:endParaRPr lang="de-DE"/>
           </a:p>
@@ -2668,7 +2668,7 @@
           <a:p>
             <a:fld id="{BA818599-7C99-4F56-8776-2F99B1BE9A6A}" type="datetimeFigureOut">
               <a:rPr lang="de-DE" smtClean="0"/>
-              <a:t>15.06.2024</a:t>
+              <a:t>17.06.2024</a:t>
             </a:fld>
             <a:endParaRPr lang="de-DE"/>
           </a:p>
@@ -2909,7 +2909,7 @@
           <a:p>
             <a:fld id="{BA818599-7C99-4F56-8776-2F99B1BE9A6A}" type="datetimeFigureOut">
               <a:rPr lang="de-DE" smtClean="0"/>
-              <a:t>15.06.2024</a:t>
+              <a:t>17.06.2024</a:t>
             </a:fld>
             <a:endParaRPr lang="de-DE"/>
           </a:p>
@@ -3409,11 +3409,13 @@
         </p:nvSpPr>
         <p:spPr>
           <a:xfrm>
-            <a:off x="430150" y="1396748"/>
+            <a:off x="514350" y="1400248"/>
             <a:ext cx="11496674" cy="3053995"/>
           </a:xfrm>
           <a:prstGeom prst="roundRect">
-            <a:avLst/>
+            <a:avLst>
+              <a:gd name="adj" fmla="val 5065"/>
+            </a:avLst>
           </a:prstGeom>
           <a:solidFill>
             <a:schemeClr val="tx2">
@@ -3470,11 +3472,13 @@
         </p:nvSpPr>
         <p:spPr>
           <a:xfrm>
-            <a:off x="265176" y="4714397"/>
-            <a:ext cx="11661648" cy="1993108"/>
+            <a:off x="514350" y="4595856"/>
+            <a:ext cx="11488957" cy="1993108"/>
           </a:xfrm>
           <a:prstGeom prst="roundRect">
-            <a:avLst/>
+            <a:avLst>
+              <a:gd name="adj" fmla="val 8638"/>
+            </a:avLst>
           </a:prstGeom>
           <a:solidFill>
             <a:schemeClr val="tx2">
@@ -3572,7 +3576,7 @@
         </p:nvSpPr>
         <p:spPr>
           <a:xfrm>
-            <a:off x="6739319" y="3844000"/>
+            <a:off x="6775133" y="4879178"/>
             <a:ext cx="2834640" cy="475488"/>
           </a:xfrm>
           <a:prstGeom prst="rect">
@@ -3729,8 +3733,8 @@
         </p:nvSpPr>
         <p:spPr>
           <a:xfrm>
-            <a:off x="2385822" y="1514141"/>
-            <a:ext cx="1984248" cy="475488"/>
+            <a:off x="2385822" y="1480964"/>
+            <a:ext cx="1984248" cy="697610"/>
           </a:xfrm>
           <a:prstGeom prst="rect">
             <a:avLst/>
@@ -3763,6 +3767,30 @@
             </a:r>
             <a:endParaRPr lang="de-DE" dirty="0"/>
           </a:p>
+          <a:p>
+            <a:pPr algn="ctr"/>
+            <a:r>
+              <a:rPr lang="de-DE" sz="1200" dirty="0" err="1"/>
+              <a:t>DoCall</a:t>
+            </a:r>
+            <a:r>
+              <a:rPr lang="de-DE" sz="1200" dirty="0"/>
+              <a:t> </a:t>
+            </a:r>
+            <a:r>
+              <a:rPr lang="de-DE" sz="1200" dirty="0" err="1"/>
+              <a:t>calls</a:t>
+            </a:r>
+            <a:r>
+              <a:rPr lang="de-DE" sz="1200" dirty="0"/>
+              <a:t> </a:t>
+            </a:r>
+            <a:r>
+              <a:rPr lang="de-DE" sz="1200" dirty="0" err="1"/>
+              <a:t>UpdateUI</a:t>
+            </a:r>
+            <a:endParaRPr lang="de-DE" dirty="0"/>
+          </a:p>
         </p:txBody>
       </p:sp>
       <p:sp>
@@ -3830,7 +3858,7 @@
         <p:spPr>
           <a:xfrm>
             <a:off x="3416806" y="3277220"/>
-            <a:ext cx="2299717" cy="475488"/>
+            <a:ext cx="2349442" cy="475488"/>
           </a:xfrm>
           <a:prstGeom prst="rect">
             <a:avLst/>
@@ -3984,8 +4012,8 @@
         </p:nvSpPr>
         <p:spPr>
           <a:xfrm>
-            <a:off x="7248524" y="1522289"/>
-            <a:ext cx="1395984" cy="475488"/>
+            <a:off x="7856686" y="1480964"/>
+            <a:ext cx="2997708" cy="715045"/>
           </a:xfrm>
           <a:prstGeom prst="rect">
             <a:avLst/>
@@ -4022,6 +4050,21 @@
               <a:t>Animation</a:t>
             </a:r>
           </a:p>
+          <a:p>
+            <a:pPr lvl="1"/>
+            <a:r>
+              <a:rPr lang="de-DE" sz="1200" dirty="0" err="1"/>
+              <a:t>Timer</a:t>
+            </a:r>
+            <a:endParaRPr lang="de-DE" sz="1200" dirty="0"/>
+          </a:p>
+          <a:p>
+            <a:pPr lvl="1"/>
+            <a:r>
+              <a:rPr lang="de-DE" sz="1200" dirty="0"/>
+              <a:t>Posts WM_APP_UI_CALL</a:t>
+            </a:r>
+          </a:p>
         </p:txBody>
       </p:sp>
       <p:sp>
@@ -4038,7 +4081,7 @@
         </p:nvSpPr>
         <p:spPr>
           <a:xfrm>
-            <a:off x="5103876" y="5837861"/>
+            <a:off x="5031612" y="5782532"/>
             <a:ext cx="1984248" cy="475488"/>
           </a:xfrm>
           <a:prstGeom prst="rect">
@@ -4087,7 +4130,7 @@
         </p:nvSpPr>
         <p:spPr>
           <a:xfrm>
-            <a:off x="430150" y="5837108"/>
+            <a:off x="627506" y="5782532"/>
             <a:ext cx="1984248" cy="475488"/>
           </a:xfrm>
           <a:prstGeom prst="rect">
@@ -4136,7 +4179,7 @@
         </p:nvSpPr>
         <p:spPr>
           <a:xfrm>
-            <a:off x="7450454" y="5808340"/>
+            <a:off x="7233666" y="5782532"/>
             <a:ext cx="1984248" cy="475488"/>
           </a:xfrm>
           <a:prstGeom prst="rect">
@@ -4185,7 +4228,7 @@
         </p:nvSpPr>
         <p:spPr>
           <a:xfrm>
-            <a:off x="2757298" y="5837108"/>
+            <a:off x="2829559" y="5782532"/>
             <a:ext cx="1984248" cy="475488"/>
           </a:xfrm>
           <a:prstGeom prst="rect">
@@ -4236,12 +4279,12 @@
         </p:nvCxnSpPr>
         <p:spPr>
           <a:xfrm rot="5400000">
-            <a:off x="1657354" y="3097725"/>
-            <a:ext cx="2820541" cy="620645"/>
+            <a:off x="2674123" y="2062664"/>
+            <a:ext cx="768717" cy="638941"/>
           </a:xfrm>
           <a:prstGeom prst="bentConnector3">
             <a:avLst>
-              <a:gd name="adj1" fmla="val 9071"/>
+              <a:gd name="adj1" fmla="val 52230"/>
             </a:avLst>
           </a:prstGeom>
         </p:spPr>
@@ -4303,10 +4346,10 @@
       </p:cxnSp>
       <p:cxnSp>
         <p:nvCxnSpPr>
-          <p:cNvPr id="66" name="Gerader Verbinder 65">
-            <a:extLst>
-              <a:ext uri="{FF2B5EF4-FFF2-40B4-BE49-F238E27FC236}">
-                <a16:creationId xmlns:a16="http://schemas.microsoft.com/office/drawing/2014/main" id="{09B08CF0-2FF7-CA59-8415-7D2EA726C211}"/>
+          <p:cNvPr id="22" name="Gerader Verbinder 21">
+            <a:extLst>
+              <a:ext uri="{FF2B5EF4-FFF2-40B4-BE49-F238E27FC236}">
+                <a16:creationId xmlns:a16="http://schemas.microsoft.com/office/drawing/2014/main" id="{F7D2E9F0-77CC-0CBD-65C7-BC766A7DA303}"/>
               </a:ext>
             </a:extLst>
           </p:cNvPr>
@@ -4314,9 +4357,9 @@
           <p:nvPr/>
         </p:nvCxnSpPr>
         <p:spPr>
-          <a:xfrm flipH="1">
-            <a:off x="8401814" y="4437315"/>
-            <a:ext cx="334136" cy="0"/>
+          <a:xfrm>
+            <a:off x="6178487" y="3004235"/>
+            <a:ext cx="0" cy="2112687"/>
           </a:xfrm>
           <a:prstGeom prst="line">
             <a:avLst/>
@@ -4339,28 +4382,29 @@
       </p:cxnSp>
       <p:cxnSp>
         <p:nvCxnSpPr>
-          <p:cNvPr id="84" name="Verbinder: gewinkelt 83">
-            <a:extLst>
-              <a:ext uri="{FF2B5EF4-FFF2-40B4-BE49-F238E27FC236}">
-                <a16:creationId xmlns:a16="http://schemas.microsoft.com/office/drawing/2014/main" id="{8ECAD8A8-D4A4-7197-5C9F-BDDDF37A731B}"/>
+          <p:cNvPr id="26" name="Gerade Verbindung mit Pfeil 25">
+            <a:extLst>
+              <a:ext uri="{FF2B5EF4-FFF2-40B4-BE49-F238E27FC236}">
+                <a16:creationId xmlns:a16="http://schemas.microsoft.com/office/drawing/2014/main" id="{706B89B4-947C-96C9-842C-49A79BCB48A4}"/>
               </a:ext>
             </a:extLst>
           </p:cNvPr>
           <p:cNvCxnSpPr>
-            <a:cxnSpLocks/>
+            <a:endCxn id="5" idx="1"/>
           </p:cNvCxnSpPr>
           <p:nvPr/>
         </p:nvCxnSpPr>
         <p:spPr>
           <a:xfrm>
-            <a:off x="3377946" y="2253283"/>
-            <a:ext cx="1446564" cy="513208"/>
-          </a:xfrm>
-          <a:prstGeom prst="bentConnector3">
-            <a:avLst>
-              <a:gd name="adj1" fmla="val 50000"/>
-            </a:avLst>
+            <a:off x="6178487" y="5116922"/>
+            <a:ext cx="596646" cy="0"/>
+          </a:xfrm>
+          <a:prstGeom prst="straightConnector1">
+            <a:avLst/>
           </a:prstGeom>
+          <a:ln>
+            <a:tailEnd type="triangle"/>
+          </a:ln>
         </p:spPr>
         <p:style>
           <a:lnRef idx="2">
@@ -4377,6 +4421,323 @@
           </a:fontRef>
         </p:style>
       </p:cxnSp>
+      <p:cxnSp>
+        <p:nvCxnSpPr>
+          <p:cNvPr id="27" name="Gerade Verbindung mit Pfeil 26">
+            <a:extLst>
+              <a:ext uri="{FF2B5EF4-FFF2-40B4-BE49-F238E27FC236}">
+                <a16:creationId xmlns:a16="http://schemas.microsoft.com/office/drawing/2014/main" id="{FE64CFB4-43EE-B8FE-CCE4-1AB18B36E48E}"/>
+              </a:ext>
+            </a:extLst>
+          </p:cNvPr>
+          <p:cNvCxnSpPr>
+            <a:cxnSpLocks/>
+          </p:cNvCxnSpPr>
+          <p:nvPr/>
+        </p:nvCxnSpPr>
+        <p:spPr>
+          <a:xfrm>
+            <a:off x="6178487" y="3543392"/>
+            <a:ext cx="560832" cy="0"/>
+          </a:xfrm>
+          <a:prstGeom prst="straightConnector1">
+            <a:avLst/>
+          </a:prstGeom>
+          <a:ln>
+            <a:tailEnd type="triangle"/>
+          </a:ln>
+        </p:spPr>
+        <p:style>
+          <a:lnRef idx="2">
+            <a:schemeClr val="accent1"/>
+          </a:lnRef>
+          <a:fillRef idx="0">
+            <a:schemeClr val="accent1"/>
+          </a:fillRef>
+          <a:effectRef idx="1">
+            <a:schemeClr val="accent1"/>
+          </a:effectRef>
+          <a:fontRef idx="minor">
+            <a:schemeClr val="tx1"/>
+          </a:fontRef>
+        </p:style>
+      </p:cxnSp>
+      <p:cxnSp>
+        <p:nvCxnSpPr>
+          <p:cNvPr id="29" name="Gerade Verbindung mit Pfeil 28">
+            <a:extLst>
+              <a:ext uri="{FF2B5EF4-FFF2-40B4-BE49-F238E27FC236}">
+                <a16:creationId xmlns:a16="http://schemas.microsoft.com/office/drawing/2014/main" id="{E451B646-FF22-B6A7-6B8C-78C0625BEEAE}"/>
+              </a:ext>
+            </a:extLst>
+          </p:cNvPr>
+          <p:cNvCxnSpPr>
+            <a:cxnSpLocks/>
+          </p:cNvCxnSpPr>
+          <p:nvPr/>
+        </p:nvCxnSpPr>
+        <p:spPr>
+          <a:xfrm flipH="1">
+            <a:off x="5766248" y="3543392"/>
+            <a:ext cx="412238" cy="0"/>
+          </a:xfrm>
+          <a:prstGeom prst="straightConnector1">
+            <a:avLst/>
+          </a:prstGeom>
+          <a:ln>
+            <a:tailEnd type="triangle"/>
+          </a:ln>
+        </p:spPr>
+        <p:style>
+          <a:lnRef idx="2">
+            <a:schemeClr val="accent1"/>
+          </a:lnRef>
+          <a:fillRef idx="0">
+            <a:schemeClr val="accent1"/>
+          </a:fillRef>
+          <a:effectRef idx="1">
+            <a:schemeClr val="accent1"/>
+          </a:effectRef>
+          <a:fontRef idx="minor">
+            <a:schemeClr val="tx1"/>
+          </a:fontRef>
+        </p:style>
+      </p:cxnSp>
+      <p:cxnSp>
+        <p:nvCxnSpPr>
+          <p:cNvPr id="32" name="Gerade Verbindung mit Pfeil 31">
+            <a:extLst>
+              <a:ext uri="{FF2B5EF4-FFF2-40B4-BE49-F238E27FC236}">
+                <a16:creationId xmlns:a16="http://schemas.microsoft.com/office/drawing/2014/main" id="{613043D4-A268-7C65-C02B-652EEED16C9A}"/>
+              </a:ext>
+            </a:extLst>
+          </p:cNvPr>
+          <p:cNvCxnSpPr>
+            <a:cxnSpLocks/>
+          </p:cNvCxnSpPr>
+          <p:nvPr/>
+        </p:nvCxnSpPr>
+        <p:spPr>
+          <a:xfrm flipH="1">
+            <a:off x="5766248" y="4050122"/>
+            <a:ext cx="412238" cy="0"/>
+          </a:xfrm>
+          <a:prstGeom prst="straightConnector1">
+            <a:avLst/>
+          </a:prstGeom>
+          <a:ln>
+            <a:tailEnd type="triangle"/>
+          </a:ln>
+        </p:spPr>
+        <p:style>
+          <a:lnRef idx="2">
+            <a:schemeClr val="accent1"/>
+          </a:lnRef>
+          <a:fillRef idx="0">
+            <a:schemeClr val="accent1"/>
+          </a:fillRef>
+          <a:effectRef idx="1">
+            <a:schemeClr val="accent1"/>
+          </a:effectRef>
+          <a:fontRef idx="minor">
+            <a:schemeClr val="tx1"/>
+          </a:fontRef>
+        </p:style>
+      </p:cxnSp>
+      <p:cxnSp>
+        <p:nvCxnSpPr>
+          <p:cNvPr id="35" name="Gerade Verbindung mit Pfeil 34">
+            <a:extLst>
+              <a:ext uri="{FF2B5EF4-FFF2-40B4-BE49-F238E27FC236}">
+                <a16:creationId xmlns:a16="http://schemas.microsoft.com/office/drawing/2014/main" id="{5BDBC048-26FB-5A0E-1773-7655F5DF2D2A}"/>
+              </a:ext>
+            </a:extLst>
+          </p:cNvPr>
+          <p:cNvCxnSpPr>
+            <a:cxnSpLocks/>
+          </p:cNvCxnSpPr>
+          <p:nvPr/>
+        </p:nvCxnSpPr>
+        <p:spPr>
+          <a:xfrm>
+            <a:off x="2742446" y="2766491"/>
+            <a:ext cx="0" cy="2091069"/>
+          </a:xfrm>
+          <a:prstGeom prst="straightConnector1">
+            <a:avLst/>
+          </a:prstGeom>
+          <a:ln>
+            <a:tailEnd type="triangle"/>
+          </a:ln>
+        </p:spPr>
+        <p:style>
+          <a:lnRef idx="2">
+            <a:schemeClr val="accent1"/>
+          </a:lnRef>
+          <a:fillRef idx="0">
+            <a:schemeClr val="accent1"/>
+          </a:fillRef>
+          <a:effectRef idx="1">
+            <a:schemeClr val="accent1"/>
+          </a:effectRef>
+          <a:fontRef idx="minor">
+            <a:schemeClr val="tx1"/>
+          </a:fontRef>
+        </p:style>
+      </p:cxnSp>
+      <p:cxnSp>
+        <p:nvCxnSpPr>
+          <p:cNvPr id="42" name="Gerader Verbinder 41">
+            <a:extLst>
+              <a:ext uri="{FF2B5EF4-FFF2-40B4-BE49-F238E27FC236}">
+                <a16:creationId xmlns:a16="http://schemas.microsoft.com/office/drawing/2014/main" id="{A9EAE00E-767C-44EB-76FB-51D41882081F}"/>
+              </a:ext>
+            </a:extLst>
+          </p:cNvPr>
+          <p:cNvCxnSpPr>
+            <a:cxnSpLocks/>
+          </p:cNvCxnSpPr>
+          <p:nvPr/>
+        </p:nvCxnSpPr>
+        <p:spPr>
+          <a:xfrm flipV="1">
+            <a:off x="3377946" y="2381346"/>
+            <a:ext cx="2800540" cy="18954"/>
+          </a:xfrm>
+          <a:prstGeom prst="line">
+            <a:avLst/>
+          </a:prstGeom>
+        </p:spPr>
+        <p:style>
+          <a:lnRef idx="2">
+            <a:schemeClr val="accent1"/>
+          </a:lnRef>
+          <a:fillRef idx="0">
+            <a:schemeClr val="accent1"/>
+          </a:fillRef>
+          <a:effectRef idx="1">
+            <a:schemeClr val="accent1"/>
+          </a:effectRef>
+          <a:fontRef idx="minor">
+            <a:schemeClr val="tx1"/>
+          </a:fontRef>
+        </p:style>
+      </p:cxnSp>
+      <p:cxnSp>
+        <p:nvCxnSpPr>
+          <p:cNvPr id="45" name="Gerade Verbindung mit Pfeil 44">
+            <a:extLst>
+              <a:ext uri="{FF2B5EF4-FFF2-40B4-BE49-F238E27FC236}">
+                <a16:creationId xmlns:a16="http://schemas.microsoft.com/office/drawing/2014/main" id="{8A3199BE-E1E8-FB74-714D-38E5A2D8D6EF}"/>
+              </a:ext>
+            </a:extLst>
+          </p:cNvPr>
+          <p:cNvCxnSpPr>
+            <a:cxnSpLocks/>
+          </p:cNvCxnSpPr>
+          <p:nvPr/>
+        </p:nvCxnSpPr>
+        <p:spPr>
+          <a:xfrm>
+            <a:off x="6178486" y="2381346"/>
+            <a:ext cx="7718" cy="147401"/>
+          </a:xfrm>
+          <a:prstGeom prst="straightConnector1">
+            <a:avLst/>
+          </a:prstGeom>
+          <a:ln>
+            <a:tailEnd type="triangle"/>
+          </a:ln>
+        </p:spPr>
+        <p:style>
+          <a:lnRef idx="2">
+            <a:schemeClr val="accent1"/>
+          </a:lnRef>
+          <a:fillRef idx="0">
+            <a:schemeClr val="accent1"/>
+          </a:fillRef>
+          <a:effectRef idx="1">
+            <a:schemeClr val="accent1"/>
+          </a:effectRef>
+          <a:fontRef idx="minor">
+            <a:schemeClr val="tx1"/>
+          </a:fontRef>
+        </p:style>
+      </p:cxnSp>
+      <p:sp>
+        <p:nvSpPr>
+          <p:cNvPr id="19" name="Rechteck 18">
+            <a:extLst>
+              <a:ext uri="{FF2B5EF4-FFF2-40B4-BE49-F238E27FC236}">
+                <a16:creationId xmlns:a16="http://schemas.microsoft.com/office/drawing/2014/main" id="{DCDA2CED-4A39-600D-C97E-B2508E832FB4}"/>
+              </a:ext>
+            </a:extLst>
+          </p:cNvPr>
+          <p:cNvSpPr/>
+          <p:nvPr/>
+        </p:nvSpPr>
+        <p:spPr>
+          <a:xfrm>
+            <a:off x="4613434" y="1480964"/>
+            <a:ext cx="2997708" cy="715045"/>
+          </a:xfrm>
+          <a:prstGeom prst="rect">
+            <a:avLst/>
+          </a:prstGeom>
+          <a:solidFill>
+            <a:schemeClr val="accent5">
+              <a:lumMod val="75000"/>
+            </a:schemeClr>
+          </a:solidFill>
+        </p:spPr>
+        <p:style>
+          <a:lnRef idx="2">
+            <a:schemeClr val="accent1">
+              <a:shade val="15000"/>
+            </a:schemeClr>
+          </a:lnRef>
+          <a:fillRef idx="1">
+            <a:schemeClr val="accent1"/>
+          </a:fillRef>
+          <a:effectRef idx="0">
+            <a:schemeClr val="accent1"/>
+          </a:effectRef>
+          <a:fontRef idx="minor">
+            <a:schemeClr val="lt1"/>
+          </a:fontRef>
+        </p:style>
+        <p:txBody>
+          <a:bodyPr rtlCol="0" anchor="ctr"/>
+          <a:lstStyle/>
+          <a:p>
+            <a:pPr algn="ctr"/>
+            <a:r>
+              <a:rPr lang="de-DE" dirty="0" err="1"/>
+              <a:t>MessagePump</a:t>
+            </a:r>
+            <a:endParaRPr lang="de-DE" dirty="0"/>
+          </a:p>
+          <a:p>
+            <a:pPr lvl="1"/>
+            <a:r>
+              <a:rPr lang="de-DE" sz="1200" dirty="0"/>
+              <a:t>Gets WM_APP_UI_CALL and</a:t>
+            </a:r>
+          </a:p>
+          <a:p>
+            <a:pPr lvl="1"/>
+            <a:r>
+              <a:rPr lang="de-DE" sz="1200" dirty="0"/>
+              <a:t>Calls </a:t>
+            </a:r>
+            <a:r>
+              <a:rPr lang="de-DE" sz="1200" dirty="0" err="1"/>
+              <a:t>DoCall</a:t>
+            </a:r>
+            <a:endParaRPr lang="de-DE" sz="1200" dirty="0"/>
+          </a:p>
+        </p:txBody>
+      </p:sp>
     </p:spTree>
     <p:extLst>
       <p:ext uri="{BB962C8B-B14F-4D97-AF65-F5344CB8AC3E}">

--- a/NNet/Docu/Commands.pptx
+++ b/NNet/Docu/Commands.pptx
@@ -3767,30 +3767,6 @@
             </a:r>
             <a:endParaRPr lang="de-DE" dirty="0"/>
           </a:p>
-          <a:p>
-            <a:pPr algn="ctr"/>
-            <a:r>
-              <a:rPr lang="de-DE" sz="1200" dirty="0" err="1"/>
-              <a:t>DoCall</a:t>
-            </a:r>
-            <a:r>
-              <a:rPr lang="de-DE" sz="1200" dirty="0"/>
-              <a:t> </a:t>
-            </a:r>
-            <a:r>
-              <a:rPr lang="de-DE" sz="1200" dirty="0" err="1"/>
-              <a:t>calls</a:t>
-            </a:r>
-            <a:r>
-              <a:rPr lang="de-DE" sz="1200" dirty="0"/>
-              <a:t> </a:t>
-            </a:r>
-            <a:r>
-              <a:rPr lang="de-DE" sz="1200" dirty="0" err="1"/>
-              <a:t>UpdateUI</a:t>
-            </a:r>
-            <a:endParaRPr lang="de-DE" dirty="0"/>
-          </a:p>
         </p:txBody>
       </p:sp>
       <p:sp>
@@ -4047,11 +4023,8 @@
             <a:pPr algn="ctr"/>
             <a:r>
               <a:rPr lang="de-DE" dirty="0"/>
-              <a:t>Animation</a:t>
-            </a:r>
-          </a:p>
-          <a:p>
-            <a:pPr lvl="1"/>
+              <a:t>Animation    </a:t>
+            </a:r>
             <a:r>
               <a:rPr lang="de-DE" sz="1200" dirty="0" err="1"/>
               <a:t>Timer</a:t>
@@ -4064,6 +4037,30 @@
               <a:rPr lang="de-DE" sz="1200" dirty="0"/>
               <a:t>Posts WM_APP_UI_CALL</a:t>
             </a:r>
+          </a:p>
+          <a:p>
+            <a:pPr lvl="1"/>
+            <a:r>
+              <a:rPr lang="de-DE" sz="1200" dirty="0" err="1"/>
+              <a:t>AnimationUpdate</a:t>
+            </a:r>
+            <a:r>
+              <a:rPr lang="de-DE" sz="1200" dirty="0"/>
+              <a:t> </a:t>
+            </a:r>
+            <a:r>
+              <a:rPr lang="de-DE" sz="1200" dirty="0" err="1"/>
+              <a:t>calls</a:t>
+            </a:r>
+            <a:r>
+              <a:rPr lang="de-DE" sz="1200" dirty="0"/>
+              <a:t> </a:t>
+            </a:r>
+            <a:r>
+              <a:rPr lang="de-DE" sz="1200" dirty="0" err="1"/>
+              <a:t>UpdateUI</a:t>
+            </a:r>
+            <a:endParaRPr lang="de-DE" sz="1200" dirty="0"/>
           </a:p>
         </p:txBody>
       </p:sp>
@@ -4732,7 +4729,7 @@
             </a:r>
             <a:r>
               <a:rPr lang="de-DE" sz="1200" dirty="0" err="1"/>
-              <a:t>DoCall</a:t>
+              <a:t>AnimationUpdate</a:t>
             </a:r>
             <a:endParaRPr lang="de-DE" sz="1200" dirty="0"/>
           </a:p>

--- a/NNet/Docu/Commands.pptx
+++ b/NNet/Docu/Commands.pptx
@@ -259,7 +259,7 @@
           <a:p>
             <a:fld id="{BA818599-7C99-4F56-8776-2F99B1BE9A6A}" type="datetimeFigureOut">
               <a:rPr lang="de-DE" smtClean="0"/>
-              <a:t>17.06.2024</a:t>
+              <a:t>19.06.2024</a:t>
             </a:fld>
             <a:endParaRPr lang="de-DE"/>
           </a:p>
@@ -457,7 +457,7 @@
           <a:p>
             <a:fld id="{BA818599-7C99-4F56-8776-2F99B1BE9A6A}" type="datetimeFigureOut">
               <a:rPr lang="de-DE" smtClean="0"/>
-              <a:t>17.06.2024</a:t>
+              <a:t>19.06.2024</a:t>
             </a:fld>
             <a:endParaRPr lang="de-DE"/>
           </a:p>
@@ -665,7 +665,7 @@
           <a:p>
             <a:fld id="{BA818599-7C99-4F56-8776-2F99B1BE9A6A}" type="datetimeFigureOut">
               <a:rPr lang="de-DE" smtClean="0"/>
-              <a:t>17.06.2024</a:t>
+              <a:t>19.06.2024</a:t>
             </a:fld>
             <a:endParaRPr lang="de-DE"/>
           </a:p>
@@ -863,7 +863,7 @@
           <a:p>
             <a:fld id="{BA818599-7C99-4F56-8776-2F99B1BE9A6A}" type="datetimeFigureOut">
               <a:rPr lang="de-DE" smtClean="0"/>
-              <a:t>17.06.2024</a:t>
+              <a:t>19.06.2024</a:t>
             </a:fld>
             <a:endParaRPr lang="de-DE"/>
           </a:p>
@@ -1138,7 +1138,7 @@
           <a:p>
             <a:fld id="{BA818599-7C99-4F56-8776-2F99B1BE9A6A}" type="datetimeFigureOut">
               <a:rPr lang="de-DE" smtClean="0"/>
-              <a:t>17.06.2024</a:t>
+              <a:t>19.06.2024</a:t>
             </a:fld>
             <a:endParaRPr lang="de-DE"/>
           </a:p>
@@ -1403,7 +1403,7 @@
           <a:p>
             <a:fld id="{BA818599-7C99-4F56-8776-2F99B1BE9A6A}" type="datetimeFigureOut">
               <a:rPr lang="de-DE" smtClean="0"/>
-              <a:t>17.06.2024</a:t>
+              <a:t>19.06.2024</a:t>
             </a:fld>
             <a:endParaRPr lang="de-DE"/>
           </a:p>
@@ -1815,7 +1815,7 @@
           <a:p>
             <a:fld id="{BA818599-7C99-4F56-8776-2F99B1BE9A6A}" type="datetimeFigureOut">
               <a:rPr lang="de-DE" smtClean="0"/>
-              <a:t>17.06.2024</a:t>
+              <a:t>19.06.2024</a:t>
             </a:fld>
             <a:endParaRPr lang="de-DE"/>
           </a:p>
@@ -1956,7 +1956,7 @@
           <a:p>
             <a:fld id="{BA818599-7C99-4F56-8776-2F99B1BE9A6A}" type="datetimeFigureOut">
               <a:rPr lang="de-DE" smtClean="0"/>
-              <a:t>17.06.2024</a:t>
+              <a:t>19.06.2024</a:t>
             </a:fld>
             <a:endParaRPr lang="de-DE"/>
           </a:p>
@@ -2069,7 +2069,7 @@
           <a:p>
             <a:fld id="{BA818599-7C99-4F56-8776-2F99B1BE9A6A}" type="datetimeFigureOut">
               <a:rPr lang="de-DE" smtClean="0"/>
-              <a:t>17.06.2024</a:t>
+              <a:t>19.06.2024</a:t>
             </a:fld>
             <a:endParaRPr lang="de-DE"/>
           </a:p>
@@ -2380,7 +2380,7 @@
           <a:p>
             <a:fld id="{BA818599-7C99-4F56-8776-2F99B1BE9A6A}" type="datetimeFigureOut">
               <a:rPr lang="de-DE" smtClean="0"/>
-              <a:t>17.06.2024</a:t>
+              <a:t>19.06.2024</a:t>
             </a:fld>
             <a:endParaRPr lang="de-DE"/>
           </a:p>
@@ -2668,7 +2668,7 @@
           <a:p>
             <a:fld id="{BA818599-7C99-4F56-8776-2F99B1BE9A6A}" type="datetimeFigureOut">
               <a:rPr lang="de-DE" smtClean="0"/>
-              <a:t>17.06.2024</a:t>
+              <a:t>19.06.2024</a:t>
             </a:fld>
             <a:endParaRPr lang="de-DE"/>
           </a:p>
@@ -2909,7 +2909,7 @@
           <a:p>
             <a:fld id="{BA818599-7C99-4F56-8776-2F99B1BE9A6A}" type="datetimeFigureOut">
               <a:rPr lang="de-DE" smtClean="0"/>
-              <a:t>17.06.2024</a:t>
+              <a:t>19.06.2024</a:t>
             </a:fld>
             <a:endParaRPr lang="de-DE"/>
           </a:p>
@@ -3409,7 +3409,7 @@
         </p:nvSpPr>
         <p:spPr>
           <a:xfrm>
-            <a:off x="514350" y="1400248"/>
+            <a:off x="506633" y="1357180"/>
             <a:ext cx="11496674" cy="3053995"/>
           </a:xfrm>
           <a:prstGeom prst="roundRect">
@@ -3627,7 +3627,7 @@
         <p:spPr>
           <a:xfrm>
             <a:off x="4846320" y="2528747"/>
-            <a:ext cx="2499360" cy="475488"/>
+            <a:ext cx="2499360" cy="625288"/>
           </a:xfrm>
           <a:prstGeom prst="rect">
             <a:avLst/>
@@ -3665,6 +3665,33 @@
             <a:r>
               <a:rPr lang="de-DE" dirty="0"/>
               <a:t>&gt;</a:t>
+            </a:r>
+          </a:p>
+          <a:p>
+            <a:pPr algn="ctr"/>
+            <a:r>
+              <a:rPr lang="de-DE" sz="1200" dirty="0" err="1"/>
+              <a:t>UpdateUI</a:t>
+            </a:r>
+            <a:r>
+              <a:rPr lang="de-DE" sz="1200" dirty="0"/>
+              <a:t> </a:t>
+            </a:r>
+            <a:r>
+              <a:rPr lang="de-DE" sz="1200" dirty="0" err="1"/>
+              <a:t>calls</a:t>
+            </a:r>
+            <a:r>
+              <a:rPr lang="de-DE" sz="1200" dirty="0"/>
+              <a:t> </a:t>
+            </a:r>
+            <a:r>
+              <a:rPr lang="de-DE" sz="1200" dirty="0" err="1"/>
+              <a:t>animation:Update</a:t>
+            </a:r>
+            <a:r>
+              <a:rPr lang="de-DE" sz="1200" dirty="0"/>
+              <a:t>()</a:t>
             </a:r>
           </a:p>
         </p:txBody>
@@ -3764,6 +3791,30 @@
             <a:r>
               <a:rPr lang="de-DE" dirty="0" err="1"/>
               <a:t>WinCommand</a:t>
+            </a:r>
+            <a:endParaRPr lang="de-DE" sz="1200" dirty="0"/>
+          </a:p>
+          <a:p>
+            <a:pPr algn="ctr"/>
+            <a:r>
+              <a:rPr lang="de-DE" sz="1200" dirty="0" err="1"/>
+              <a:t>AnimationUpdate</a:t>
+            </a:r>
+            <a:r>
+              <a:rPr lang="de-DE" sz="1200" dirty="0"/>
+              <a:t> </a:t>
+            </a:r>
+            <a:r>
+              <a:rPr lang="de-DE" sz="1200" dirty="0" err="1"/>
+              <a:t>calls</a:t>
+            </a:r>
+            <a:r>
+              <a:rPr lang="de-DE" sz="1200" dirty="0"/>
+              <a:t> </a:t>
+            </a:r>
+            <a:r>
+              <a:rPr lang="de-DE" sz="1200" dirty="0" err="1"/>
+              <a:t>UpdatUI</a:t>
             </a:r>
             <a:endParaRPr lang="de-DE" dirty="0"/>
           </a:p>
@@ -4029,6 +4080,14 @@
               <a:rPr lang="de-DE" sz="1200" dirty="0" err="1"/>
               <a:t>Timer</a:t>
             </a:r>
+            <a:r>
+              <a:rPr lang="de-DE" sz="1200" dirty="0"/>
+              <a:t> </a:t>
+            </a:r>
+            <a:r>
+              <a:rPr lang="de-DE" sz="1200" dirty="0" err="1"/>
+              <a:t>thread</a:t>
+            </a:r>
             <a:endParaRPr lang="de-DE" sz="1200" dirty="0"/>
           </a:p>
           <a:p>
@@ -4041,8 +4100,12 @@
           <a:p>
             <a:pPr lvl="1"/>
             <a:r>
+              <a:rPr lang="de-DE" sz="1200" dirty="0"/>
+              <a:t>Update: </a:t>
+            </a:r>
+            <a:r>
               <a:rPr lang="de-DE" sz="1200" dirty="0" err="1"/>
-              <a:t>AnimationUpdate</a:t>
+              <a:t>copy</a:t>
             </a:r>
             <a:r>
               <a:rPr lang="de-DE" sz="1200" dirty="0"/>
@@ -4050,15 +4113,15 @@
             </a:r>
             <a:r>
               <a:rPr lang="de-DE" sz="1200" dirty="0" err="1"/>
-              <a:t>calls</a:t>
+              <a:t>actual</a:t>
             </a:r>
             <a:r>
               <a:rPr lang="de-DE" sz="1200" dirty="0"/>
-              <a:t> </a:t>
+              <a:t> to </a:t>
             </a:r>
             <a:r>
               <a:rPr lang="de-DE" sz="1200" dirty="0" err="1"/>
-              <a:t>UpdateUI</a:t>
+              <a:t>animated</a:t>
             </a:r>
             <a:endParaRPr lang="de-DE" sz="1200" dirty="0"/>
           </a:p>
